--- a/2022茨城大ゲーミング/全資料/E3_【書き方参考用】受け手用シート.pptx
+++ b/2022茨城大ゲーミング/全資料/E3_【書き方参考用】受け手用シート.pptx
@@ -218,7 +218,7 @@
           <a:p>
             <a:fld id="{6AB8C541-27E2-4D4C-9ED6-28EE7B561D44}" type="datetimeFigureOut">
               <a:rPr kumimoji="1" lang="ja-JP" altLang="en-US" smtClean="0"/>
-              <a:t>2022/1/13</a:t>
+              <a:t>2022/1/14</a:t>
             </a:fld>
             <a:endParaRPr kumimoji="1" lang="ja-JP" altLang="en-US"/>
           </a:p>
@@ -664,7 +664,7 @@
           <a:p>
             <a:fld id="{429820FA-8B11-40CB-89A5-787DE3E05D7F}" type="datetime1">
               <a:rPr kumimoji="1" lang="ja-JP" altLang="en-US" smtClean="0"/>
-              <a:t>2022/1/13</a:t>
+              <a:t>2022/1/14</a:t>
             </a:fld>
             <a:endParaRPr kumimoji="1" lang="ja-JP" altLang="en-US"/>
           </a:p>
@@ -894,7 +894,7 @@
           <a:p>
             <a:fld id="{82E0074B-EA69-48E0-BC76-937066B77BB5}" type="datetime1">
               <a:rPr kumimoji="1" lang="ja-JP" altLang="en-US" smtClean="0"/>
-              <a:t>2022/1/13</a:t>
+              <a:t>2022/1/14</a:t>
             </a:fld>
             <a:endParaRPr kumimoji="1" lang="ja-JP" altLang="en-US"/>
           </a:p>
@@ -1134,7 +1134,7 @@
           <a:p>
             <a:fld id="{D9241874-615A-41AD-8D88-DFAE75F43185}" type="datetime1">
               <a:rPr kumimoji="1" lang="ja-JP" altLang="en-US" smtClean="0"/>
-              <a:t>2022/1/13</a:t>
+              <a:t>2022/1/14</a:t>
             </a:fld>
             <a:endParaRPr kumimoji="1" lang="ja-JP" altLang="en-US"/>
           </a:p>
@@ -1364,7 +1364,7 @@
           <a:p>
             <a:fld id="{7475CCAB-7D86-4E4E-8714-1A72A16E7435}" type="datetime1">
               <a:rPr kumimoji="1" lang="ja-JP" altLang="en-US" smtClean="0"/>
-              <a:t>2022/1/13</a:t>
+              <a:t>2022/1/14</a:t>
             </a:fld>
             <a:endParaRPr kumimoji="1" lang="ja-JP" altLang="en-US"/>
           </a:p>
@@ -1639,7 +1639,7 @@
           <a:p>
             <a:fld id="{E4AC5C2B-681C-4B55-8D5E-D8179F5ED51F}" type="datetime1">
               <a:rPr kumimoji="1" lang="ja-JP" altLang="en-US" smtClean="0"/>
-              <a:t>2022/1/13</a:t>
+              <a:t>2022/1/14</a:t>
             </a:fld>
             <a:endParaRPr kumimoji="1" lang="ja-JP" altLang="en-US"/>
           </a:p>
@@ -1968,7 +1968,7 @@
           <a:p>
             <a:fld id="{D20FAD78-535F-4A01-A2FB-B549E862BA28}" type="datetime1">
               <a:rPr kumimoji="1" lang="ja-JP" altLang="en-US" smtClean="0"/>
-              <a:t>2022/1/13</a:t>
+              <a:t>2022/1/14</a:t>
             </a:fld>
             <a:endParaRPr kumimoji="1" lang="ja-JP" altLang="en-US"/>
           </a:p>
@@ -2444,7 +2444,7 @@
           <a:p>
             <a:fld id="{9E784E23-61F4-489B-9BF3-F313BBEBA460}" type="datetime1">
               <a:rPr kumimoji="1" lang="ja-JP" altLang="en-US" smtClean="0"/>
-              <a:t>2022/1/13</a:t>
+              <a:t>2022/1/14</a:t>
             </a:fld>
             <a:endParaRPr kumimoji="1" lang="ja-JP" altLang="en-US"/>
           </a:p>
@@ -2585,7 +2585,7 @@
           <a:p>
             <a:fld id="{528626BD-4623-4F3B-8A75-CCF26553F1D5}" type="datetime1">
               <a:rPr kumimoji="1" lang="ja-JP" altLang="en-US" smtClean="0"/>
-              <a:t>2022/1/13</a:t>
+              <a:t>2022/1/14</a:t>
             </a:fld>
             <a:endParaRPr kumimoji="1" lang="ja-JP" altLang="en-US"/>
           </a:p>
@@ -2698,7 +2698,7 @@
           <a:p>
             <a:fld id="{DD250DC0-89EE-48ED-B872-D93BC1065FD4}" type="datetime1">
               <a:rPr kumimoji="1" lang="ja-JP" altLang="en-US" smtClean="0"/>
-              <a:t>2022/1/13</a:t>
+              <a:t>2022/1/14</a:t>
             </a:fld>
             <a:endParaRPr kumimoji="1" lang="ja-JP" altLang="en-US"/>
           </a:p>
@@ -3041,7 +3041,7 @@
           <a:p>
             <a:fld id="{97B8C249-E708-4C73-91F9-67591079FC20}" type="datetime1">
               <a:rPr kumimoji="1" lang="ja-JP" altLang="en-US" smtClean="0"/>
-              <a:t>2022/1/13</a:t>
+              <a:t>2022/1/14</a:t>
             </a:fld>
             <a:endParaRPr kumimoji="1" lang="ja-JP" altLang="en-US"/>
           </a:p>
@@ -3329,7 +3329,7 @@
           <a:p>
             <a:fld id="{C74627AA-C7B3-45FB-8DF8-3AF2B4804882}" type="datetime1">
               <a:rPr kumimoji="1" lang="ja-JP" altLang="en-US" smtClean="0"/>
-              <a:t>2022/1/13</a:t>
+              <a:t>2022/1/14</a:t>
             </a:fld>
             <a:endParaRPr kumimoji="1" lang="ja-JP" altLang="en-US"/>
           </a:p>
@@ -3602,7 +3602,7 @@
           <a:p>
             <a:fld id="{0A62E354-9166-423C-BA7A-D13B9EC2D6D6}" type="datetime1">
               <a:rPr kumimoji="1" lang="ja-JP" altLang="en-US" smtClean="0"/>
-              <a:t>2022/1/13</a:t>
+              <a:t>2022/1/14</a:t>
             </a:fld>
             <a:endParaRPr kumimoji="1" lang="ja-JP" altLang="en-US"/>
           </a:p>
@@ -5580,9 +5580,26 @@
         </p:nvSpPr>
         <p:spPr/>
         <p:txBody>
-          <a:bodyPr/>
-          <a:lstStyle/>
-          <a:p>
+          <a:bodyPr>
+            <a:normAutofit/>
+          </a:bodyPr>
+          <a:lstStyle/>
+          <a:p>
+            <a:r>
+              <a:rPr kumimoji="1" lang="en-US" altLang="ja-JP" dirty="0"/>
+              <a:t>【</a:t>
+            </a:r>
+            <a:r>
+              <a:rPr kumimoji="1" lang="ja-JP" altLang="en-US" dirty="0"/>
+              <a:t>書き方参考用</a:t>
+            </a:r>
+            <a:r>
+              <a:rPr kumimoji="1" lang="en-US" altLang="ja-JP" dirty="0"/>
+              <a:t>】</a:t>
+            </a:r>
+            <a:br>
+              <a:rPr lang="en-US" altLang="ja-JP" dirty="0"/>
+            </a:br>
             <a:r>
               <a:rPr lang="ja-JP" altLang="en-US" dirty="0"/>
               <a:t>アイデアシート</a:t>
@@ -5609,74 +5626,11 @@
         <p:spPr/>
         <p:txBody>
           <a:bodyPr>
-            <a:normAutofit fontScale="92500" lnSpcReduction="20000"/>
+            <a:normAutofit/>
           </a:bodyPr>
           <a:lstStyle/>
           <a:p>
             <a:pPr algn="l"/>
-            <a:r>
-              <a:rPr lang="ja-JP" altLang="en-US" dirty="0">
-                <a:solidFill>
-                  <a:srgbClr val="FF0000"/>
-                </a:solidFill>
-              </a:rPr>
-              <a:t>・次スライド以降、各スライド表題の質問に答える形で書き込んでください。</a:t>
-            </a:r>
-            <a:endParaRPr lang="en-US" altLang="ja-JP" dirty="0">
-              <a:solidFill>
-                <a:srgbClr val="FF0000"/>
-              </a:solidFill>
-            </a:endParaRPr>
-          </a:p>
-          <a:p>
-            <a:pPr algn="l"/>
-            <a:r>
-              <a:rPr kumimoji="1" lang="ja-JP" altLang="en-US" sz="2400" dirty="0">
-                <a:solidFill>
-                  <a:srgbClr val="FF0000"/>
-                </a:solidFill>
-              </a:rPr>
-              <a:t>・行数は自由です。短くても長くても構いません。</a:t>
-            </a:r>
-            <a:endParaRPr kumimoji="1" lang="en-US" altLang="ja-JP" sz="2400" dirty="0">
-              <a:solidFill>
-                <a:srgbClr val="FF0000"/>
-              </a:solidFill>
-            </a:endParaRPr>
-          </a:p>
-          <a:p>
-            <a:pPr algn="l"/>
-            <a:r>
-              <a:rPr kumimoji="1" lang="ja-JP" altLang="en-US" sz="2400" dirty="0">
-                <a:solidFill>
-                  <a:srgbClr val="FF0000"/>
-                </a:solidFill>
-              </a:rPr>
-              <a:t>・文章だけでなく写真やイラストを貼っても構いませんが、</a:t>
-            </a:r>
-            <a:r>
-              <a:rPr kumimoji="1" lang="ja-JP" altLang="en-US" sz="2400" u="sng" dirty="0">
-                <a:solidFill>
-                  <a:srgbClr val="FF0000"/>
-                </a:solidFill>
-              </a:rPr>
-              <a:t>文章は必ず書いてください</a:t>
-            </a:r>
-            <a:r>
-              <a:rPr kumimoji="1" lang="ja-JP" altLang="en-US" sz="2400" dirty="0">
-                <a:solidFill>
-                  <a:srgbClr val="FF0000"/>
-                </a:solidFill>
-              </a:rPr>
-              <a:t>。</a:t>
-            </a:r>
-            <a:endParaRPr lang="ja-JP" altLang="en-US" dirty="0">
-              <a:solidFill>
-                <a:srgbClr val="FF0000"/>
-              </a:solidFill>
-            </a:endParaRPr>
-          </a:p>
-          <a:p>
             <a:endParaRPr lang="ja-JP" altLang="en-US" dirty="0"/>
           </a:p>
         </p:txBody>
@@ -6577,6 +6531,21 @@
           <a:lstStyle/>
           <a:p>
             <a:r>
+              <a:rPr kumimoji="1" lang="en-US" altLang="ja-JP" dirty="0"/>
+              <a:t>【</a:t>
+            </a:r>
+            <a:r>
+              <a:rPr kumimoji="1" lang="ja-JP" altLang="en-US" dirty="0"/>
+              <a:t>書き方参考用</a:t>
+            </a:r>
+            <a:r>
+              <a:rPr kumimoji="1" lang="en-US" altLang="ja-JP" dirty="0"/>
+              <a:t>】</a:t>
+            </a:r>
+            <a:br>
+              <a:rPr kumimoji="1" lang="en-US" altLang="ja-JP" dirty="0"/>
+            </a:br>
+            <a:r>
               <a:rPr lang="ja-JP" altLang="en-US" dirty="0"/>
               <a:t>物語シート</a:t>
             </a:r>
@@ -6602,67 +6571,11 @@
         <p:spPr/>
         <p:txBody>
           <a:bodyPr>
-            <a:normAutofit fontScale="92500" lnSpcReduction="20000"/>
+            <a:normAutofit/>
           </a:bodyPr>
           <a:lstStyle/>
           <a:p>
             <a:pPr algn="l"/>
-            <a:r>
-              <a:rPr lang="ja-JP" altLang="en-US" dirty="0">
-                <a:solidFill>
-                  <a:srgbClr val="FF0000"/>
-                </a:solidFill>
-              </a:rPr>
-              <a:t>・次スライド以降、各スライド表題の質問や指示に答える形で書き込んでください。</a:t>
-            </a:r>
-            <a:endParaRPr lang="en-US" altLang="ja-JP" dirty="0">
-              <a:solidFill>
-                <a:srgbClr val="FF0000"/>
-              </a:solidFill>
-            </a:endParaRPr>
-          </a:p>
-          <a:p>
-            <a:pPr algn="l"/>
-            <a:r>
-              <a:rPr kumimoji="1" lang="ja-JP" altLang="en-US" sz="2400" dirty="0">
-                <a:solidFill>
-                  <a:srgbClr val="FF0000"/>
-                </a:solidFill>
-              </a:rPr>
-              <a:t>・行数は自由です。短くても長くても構いません。</a:t>
-            </a:r>
-            <a:endParaRPr kumimoji="1" lang="en-US" altLang="ja-JP" sz="2400" dirty="0">
-              <a:solidFill>
-                <a:srgbClr val="FF0000"/>
-              </a:solidFill>
-            </a:endParaRPr>
-          </a:p>
-          <a:p>
-            <a:pPr algn="l"/>
-            <a:r>
-              <a:rPr kumimoji="1" lang="ja-JP" altLang="en-US" sz="2400" dirty="0">
-                <a:solidFill>
-                  <a:srgbClr val="FF0000"/>
-                </a:solidFill>
-              </a:rPr>
-              <a:t>・文章だけでなく写真やイラストを貼っても構いませんが、</a:t>
-            </a:r>
-            <a:r>
-              <a:rPr kumimoji="1" lang="ja-JP" altLang="en-US" sz="2400" u="sng" dirty="0">
-                <a:solidFill>
-                  <a:srgbClr val="FF0000"/>
-                </a:solidFill>
-              </a:rPr>
-              <a:t>文章は必ず書いてください</a:t>
-            </a:r>
-            <a:r>
-              <a:rPr kumimoji="1" lang="ja-JP" altLang="en-US" sz="2400" dirty="0">
-                <a:solidFill>
-                  <a:srgbClr val="FF0000"/>
-                </a:solidFill>
-              </a:rPr>
-              <a:t>。</a:t>
-            </a:r>
             <a:endParaRPr lang="ja-JP" altLang="en-US" dirty="0">
               <a:solidFill>
                 <a:srgbClr val="FF0000"/>
